--- a/Presentation1.pptx
+++ b/Presentation1.pptx
@@ -6,7 +6,7 @@
   </p:sldMasterIdLst>
   <p:sldIdLst>
     <p:sldId id="336" r:id="rId2"/>
-    <p:sldId id="337" r:id="rId3"/>
+    <p:sldId id="349" r:id="rId3"/>
     <p:sldId id="338" r:id="rId4"/>
     <p:sldId id="339" r:id="rId5"/>
     <p:sldId id="340" r:id="rId6"/>
@@ -116,6 +116,11 @@
       </a:defRPr>
     </a:lvl9pPr>
   </p:defaultTextStyle>
+  <p:extLst>
+    <p:ext uri="{EFAFB233-063F-42B5-8137-9DF3F51BA10A}">
+      <p15:sldGuideLst xmlns:p15="http://schemas.microsoft.com/office/powerpoint/2012/main"/>
+    </p:ext>
+  </p:extLst>
 </p:presentation>
 </file>
 
@@ -266,7 +271,7 @@
           <a:p>
             <a:fld id="{5C300E0E-A65F-40A9-82F4-AC7788111D93}" type="datetimeFigureOut">
               <a:rPr lang="en-US" smtClean="0"/>
-              <a:t>6/9/2019</a:t>
+              <a:t>6/11/2019</a:t>
             </a:fld>
             <a:endParaRPr lang="en-US"/>
           </a:p>
@@ -464,7 +469,7 @@
           <a:p>
             <a:fld id="{5C300E0E-A65F-40A9-82F4-AC7788111D93}" type="datetimeFigureOut">
               <a:rPr lang="en-US" smtClean="0"/>
-              <a:t>6/9/2019</a:t>
+              <a:t>6/11/2019</a:t>
             </a:fld>
             <a:endParaRPr lang="en-US"/>
           </a:p>
@@ -672,7 +677,7 @@
           <a:p>
             <a:fld id="{5C300E0E-A65F-40A9-82F4-AC7788111D93}" type="datetimeFigureOut">
               <a:rPr lang="en-US" smtClean="0"/>
-              <a:t>6/9/2019</a:t>
+              <a:t>6/11/2019</a:t>
             </a:fld>
             <a:endParaRPr lang="en-US"/>
           </a:p>
@@ -870,7 +875,7 @@
           <a:p>
             <a:fld id="{5C300E0E-A65F-40A9-82F4-AC7788111D93}" type="datetimeFigureOut">
               <a:rPr lang="en-US" smtClean="0"/>
-              <a:t>6/9/2019</a:t>
+              <a:t>6/11/2019</a:t>
             </a:fld>
             <a:endParaRPr lang="en-US"/>
           </a:p>
@@ -1145,7 +1150,7 @@
           <a:p>
             <a:fld id="{5C300E0E-A65F-40A9-82F4-AC7788111D93}" type="datetimeFigureOut">
               <a:rPr lang="en-US" smtClean="0"/>
-              <a:t>6/9/2019</a:t>
+              <a:t>6/11/2019</a:t>
             </a:fld>
             <a:endParaRPr lang="en-US"/>
           </a:p>
@@ -1410,7 +1415,7 @@
           <a:p>
             <a:fld id="{5C300E0E-A65F-40A9-82F4-AC7788111D93}" type="datetimeFigureOut">
               <a:rPr lang="en-US" smtClean="0"/>
-              <a:t>6/9/2019</a:t>
+              <a:t>6/11/2019</a:t>
             </a:fld>
             <a:endParaRPr lang="en-US"/>
           </a:p>
@@ -1822,7 +1827,7 @@
           <a:p>
             <a:fld id="{5C300E0E-A65F-40A9-82F4-AC7788111D93}" type="datetimeFigureOut">
               <a:rPr lang="en-US" smtClean="0"/>
-              <a:t>6/9/2019</a:t>
+              <a:t>6/11/2019</a:t>
             </a:fld>
             <a:endParaRPr lang="en-US"/>
           </a:p>
@@ -1963,7 +1968,7 @@
           <a:p>
             <a:fld id="{5C300E0E-A65F-40A9-82F4-AC7788111D93}" type="datetimeFigureOut">
               <a:rPr lang="en-US" smtClean="0"/>
-              <a:t>6/9/2019</a:t>
+              <a:t>6/11/2019</a:t>
             </a:fld>
             <a:endParaRPr lang="en-US"/>
           </a:p>
@@ -2076,7 +2081,7 @@
           <a:p>
             <a:fld id="{5C300E0E-A65F-40A9-82F4-AC7788111D93}" type="datetimeFigureOut">
               <a:rPr lang="en-US" smtClean="0"/>
-              <a:t>6/9/2019</a:t>
+              <a:t>6/11/2019</a:t>
             </a:fld>
             <a:endParaRPr lang="en-US"/>
           </a:p>
@@ -2387,7 +2392,7 @@
           <a:p>
             <a:fld id="{5C300E0E-A65F-40A9-82F4-AC7788111D93}" type="datetimeFigureOut">
               <a:rPr lang="en-US" smtClean="0"/>
-              <a:t>6/9/2019</a:t>
+              <a:t>6/11/2019</a:t>
             </a:fld>
             <a:endParaRPr lang="en-US"/>
           </a:p>
@@ -2675,7 +2680,7 @@
           <a:p>
             <a:fld id="{5C300E0E-A65F-40A9-82F4-AC7788111D93}" type="datetimeFigureOut">
               <a:rPr lang="en-US" smtClean="0"/>
-              <a:t>6/9/2019</a:t>
+              <a:t>6/11/2019</a:t>
             </a:fld>
             <a:endParaRPr lang="en-US"/>
           </a:p>
@@ -2916,7 +2921,7 @@
           <a:p>
             <a:fld id="{5C300E0E-A65F-40A9-82F4-AC7788111D93}" type="datetimeFigureOut">
               <a:rPr lang="en-US" smtClean="0"/>
-              <a:t>6/9/2019</a:t>
+              <a:t>6/11/2019</a:t>
             </a:fld>
             <a:endParaRPr lang="en-US"/>
           </a:p>
@@ -4224,8 +4229,8 @@
         </p:nvSpPr>
         <p:spPr>
           <a:xfrm>
-            <a:off x="657214" y="4557584"/>
-            <a:ext cx="1100136" cy="1015663"/>
+            <a:off x="458385" y="4570483"/>
+            <a:ext cx="1640687" cy="707886"/>
           </a:xfrm>
           <a:prstGeom prst="rect">
             <a:avLst/>
@@ -4244,21 +4249,8 @@
                   <a:schemeClr val="bg1"/>
                 </a:solidFill>
               </a:rPr>
-              <a:t>new time </a:t>
+              <a:t>new time series</a:t>
             </a:r>
-            <a:r>
-              <a:rPr lang="en-US" sz="2000" b="1" dirty="0" err="1">
-                <a:solidFill>
-                  <a:schemeClr val="bg1"/>
-                </a:solidFill>
-              </a:rPr>
-              <a:t>seres</a:t>
-            </a:r>
-            <a:endParaRPr lang="en-US" sz="2000" b="1" dirty="0">
-              <a:solidFill>
-                <a:schemeClr val="bg1"/>
-              </a:solidFill>
-            </a:endParaRPr>
           </a:p>
         </p:txBody>
       </p:sp>
@@ -8865,8 +8857,8 @@
         </p:nvSpPr>
         <p:spPr>
           <a:xfrm>
-            <a:off x="657214" y="4557584"/>
-            <a:ext cx="1100136" cy="1015663"/>
+            <a:off x="458385" y="4570483"/>
+            <a:ext cx="1640687" cy="707886"/>
           </a:xfrm>
           <a:prstGeom prst="rect">
             <a:avLst/>
@@ -8885,21 +8877,8 @@
                   <a:schemeClr val="bg1"/>
                 </a:solidFill>
               </a:rPr>
-              <a:t>new time </a:t>
+              <a:t>new time series</a:t>
             </a:r>
-            <a:r>
-              <a:rPr lang="en-US" sz="2000" b="1" dirty="0" err="1">
-                <a:solidFill>
-                  <a:schemeClr val="bg1"/>
-                </a:solidFill>
-              </a:rPr>
-              <a:t>sers</a:t>
-            </a:r>
-            <a:endParaRPr lang="en-US" sz="2000" b="1" dirty="0">
-              <a:solidFill>
-                <a:schemeClr val="bg1"/>
-              </a:solidFill>
-            </a:endParaRPr>
           </a:p>
         </p:txBody>
       </p:sp>
@@ -9131,46 +9110,6 @@
           </a:fontRef>
         </p:style>
       </p:cxnSp>
-      <p:sp>
-        <p:nvSpPr>
-          <p:cNvPr id="33" name="TextBox 32">
-            <a:extLst>
-              <a:ext uri="{FF2B5EF4-FFF2-40B4-BE49-F238E27FC236}">
-                <a16:creationId xmlns:a16="http://schemas.microsoft.com/office/drawing/2014/main" id="{F4F52083-CA5B-400F-AA62-3D511575B93E}"/>
-              </a:ext>
-            </a:extLst>
-          </p:cNvPr>
-          <p:cNvSpPr txBox="1"/>
-          <p:nvPr/>
-        </p:nvSpPr>
-        <p:spPr>
-          <a:xfrm>
-            <a:off x="9791699" y="6271468"/>
-            <a:ext cx="1962149" cy="400110"/>
-          </a:xfrm>
-          <a:prstGeom prst="rect">
-            <a:avLst/>
-          </a:prstGeom>
-          <a:noFill/>
-        </p:spPr>
-        <p:txBody>
-          <a:bodyPr wrap="square" rtlCol="0">
-            <a:spAutoFit/>
-          </a:bodyPr>
-          <a:lstStyle/>
-          <a:p>
-            <a:pPr algn="ctr"/>
-            <a:r>
-              <a:rPr lang="en-US" sz="2000" b="1" dirty="0">
-                <a:solidFill>
-                  <a:schemeClr val="bg1"/>
-                </a:solidFill>
-              </a:rPr>
-              <a:t>forecast-model</a:t>
-            </a:r>
-          </a:p>
-        </p:txBody>
-      </p:sp>
       <p:sp>
         <p:nvSpPr>
           <p:cNvPr id="45" name="Rectangle 44">
@@ -10073,7 +10012,7 @@
     </p:spTree>
     <p:extLst>
       <p:ext uri="{BB962C8B-B14F-4D97-AF65-F5344CB8AC3E}">
-        <p14:creationId xmlns:p14="http://schemas.microsoft.com/office/powerpoint/2010/main" val="4214548635"/>
+        <p14:creationId xmlns:p14="http://schemas.microsoft.com/office/powerpoint/2010/main" val="3062657065"/>
       </p:ext>
     </p:extLst>
   </p:cSld>
